--- a/Overview/Presentation1.pptx
+++ b/Overview/Presentation1.pptx
@@ -238,7 +238,7 @@
           <a:p>
             <a:fld id="{DD583CE0-BD0D-4174-B4CF-05E1B1D74354}" type="datetimeFigureOut">
               <a:rPr lang="en-US" smtClean="0"/>
-              <a:t>10/23/2016</a:t>
+              <a:t>10/24/2016</a:t>
             </a:fld>
             <a:endParaRPr lang="en-US"/>
           </a:p>
@@ -408,7 +408,7 @@
           <a:p>
             <a:fld id="{DD583CE0-BD0D-4174-B4CF-05E1B1D74354}" type="datetimeFigureOut">
               <a:rPr lang="en-US" smtClean="0"/>
-              <a:t>10/23/2016</a:t>
+              <a:t>10/24/2016</a:t>
             </a:fld>
             <a:endParaRPr lang="en-US"/>
           </a:p>
@@ -588,7 +588,7 @@
           <a:p>
             <a:fld id="{DD583CE0-BD0D-4174-B4CF-05E1B1D74354}" type="datetimeFigureOut">
               <a:rPr lang="en-US" smtClean="0"/>
-              <a:t>10/23/2016</a:t>
+              <a:t>10/24/2016</a:t>
             </a:fld>
             <a:endParaRPr lang="en-US"/>
           </a:p>
@@ -758,7 +758,7 @@
           <a:p>
             <a:fld id="{DD583CE0-BD0D-4174-B4CF-05E1B1D74354}" type="datetimeFigureOut">
               <a:rPr lang="en-US" smtClean="0"/>
-              <a:t>10/23/2016</a:t>
+              <a:t>10/24/2016</a:t>
             </a:fld>
             <a:endParaRPr lang="en-US"/>
           </a:p>
@@ -1004,7 +1004,7 @@
           <a:p>
             <a:fld id="{DD583CE0-BD0D-4174-B4CF-05E1B1D74354}" type="datetimeFigureOut">
               <a:rPr lang="en-US" smtClean="0"/>
-              <a:t>10/23/2016</a:t>
+              <a:t>10/24/2016</a:t>
             </a:fld>
             <a:endParaRPr lang="en-US"/>
           </a:p>
@@ -1236,7 +1236,7 @@
           <a:p>
             <a:fld id="{DD583CE0-BD0D-4174-B4CF-05E1B1D74354}" type="datetimeFigureOut">
               <a:rPr lang="en-US" smtClean="0"/>
-              <a:t>10/23/2016</a:t>
+              <a:t>10/24/2016</a:t>
             </a:fld>
             <a:endParaRPr lang="en-US"/>
           </a:p>
@@ -1603,7 +1603,7 @@
           <a:p>
             <a:fld id="{DD583CE0-BD0D-4174-B4CF-05E1B1D74354}" type="datetimeFigureOut">
               <a:rPr lang="en-US" smtClean="0"/>
-              <a:t>10/23/2016</a:t>
+              <a:t>10/24/2016</a:t>
             </a:fld>
             <a:endParaRPr lang="en-US"/>
           </a:p>
@@ -1721,7 +1721,7 @@
           <a:p>
             <a:fld id="{DD583CE0-BD0D-4174-B4CF-05E1B1D74354}" type="datetimeFigureOut">
               <a:rPr lang="en-US" smtClean="0"/>
-              <a:t>10/23/2016</a:t>
+              <a:t>10/24/2016</a:t>
             </a:fld>
             <a:endParaRPr lang="en-US"/>
           </a:p>
@@ -1816,7 +1816,7 @@
           <a:p>
             <a:fld id="{DD583CE0-BD0D-4174-B4CF-05E1B1D74354}" type="datetimeFigureOut">
               <a:rPr lang="en-US" smtClean="0"/>
-              <a:t>10/23/2016</a:t>
+              <a:t>10/24/2016</a:t>
             </a:fld>
             <a:endParaRPr lang="en-US"/>
           </a:p>
@@ -2093,7 +2093,7 @@
           <a:p>
             <a:fld id="{DD583CE0-BD0D-4174-B4CF-05E1B1D74354}" type="datetimeFigureOut">
               <a:rPr lang="en-US" smtClean="0"/>
-              <a:t>10/23/2016</a:t>
+              <a:t>10/24/2016</a:t>
             </a:fld>
             <a:endParaRPr lang="en-US"/>
           </a:p>
@@ -2346,7 +2346,7 @@
           <a:p>
             <a:fld id="{DD583CE0-BD0D-4174-B4CF-05E1B1D74354}" type="datetimeFigureOut">
               <a:rPr lang="en-US" smtClean="0"/>
-              <a:t>10/23/2016</a:t>
+              <a:t>10/24/2016</a:t>
             </a:fld>
             <a:endParaRPr lang="en-US"/>
           </a:p>
@@ -2559,7 +2559,7 @@
           <a:p>
             <a:fld id="{DD583CE0-BD0D-4174-B4CF-05E1B1D74354}" type="datetimeFigureOut">
               <a:rPr lang="en-US" smtClean="0"/>
-              <a:t>10/23/2016</a:t>
+              <a:t>10/24/2016</a:t>
             </a:fld>
             <a:endParaRPr lang="en-US"/>
           </a:p>
@@ -3157,8 +3157,61 @@
             </a:r>
             <a:r>
               <a:rPr lang="en-US" dirty="0" smtClean="0"/>
-              <a:t>)</a:t>
-            </a:r>
+              <a:t>)//</a:t>
+            </a:r>
+            <a:r>
+              <a:rPr lang="en-US" dirty="0" err="1" smtClean="0"/>
+              <a:t>chỉ</a:t>
+            </a:r>
+            <a:r>
+              <a:rPr lang="en-US" dirty="0" smtClean="0"/>
+              <a:t> </a:t>
+            </a:r>
+            <a:r>
+              <a:rPr lang="en-US" dirty="0" err="1" smtClean="0"/>
+              <a:t>được</a:t>
+            </a:r>
+            <a:r>
+              <a:rPr lang="en-US" dirty="0" smtClean="0"/>
+              <a:t> </a:t>
+            </a:r>
+            <a:r>
+              <a:rPr lang="en-US" dirty="0" err="1" smtClean="0"/>
+              <a:t>sử</a:t>
+            </a:r>
+            <a:r>
+              <a:rPr lang="en-US" dirty="0" smtClean="0"/>
+              <a:t> </a:t>
+            </a:r>
+            <a:r>
+              <a:rPr lang="en-US" dirty="0" err="1" smtClean="0"/>
+              <a:t>dụng</a:t>
+            </a:r>
+            <a:r>
+              <a:rPr lang="en-US" dirty="0" smtClean="0"/>
+              <a:t> </a:t>
+            </a:r>
+            <a:r>
+              <a:rPr lang="en-US" dirty="0" err="1" smtClean="0"/>
+              <a:t>để</a:t>
+            </a:r>
+            <a:r>
+              <a:rPr lang="en-US" dirty="0" smtClean="0"/>
+              <a:t> bind </a:t>
+            </a:r>
+            <a:r>
+              <a:rPr lang="en-US" dirty="0" err="1" smtClean="0"/>
+              <a:t>với</a:t>
+            </a:r>
+            <a:r>
+              <a:rPr lang="en-US" dirty="0" smtClean="0"/>
+              <a:t> </a:t>
+            </a:r>
+            <a:r>
+              <a:rPr lang="en-US" dirty="0" err="1" smtClean="0"/>
+              <a:t>ObjectEditor.ListItems</a:t>
+            </a:r>
+            <a:endParaRPr lang="en-US" dirty="0" smtClean="0"/>
           </a:p>
           <a:p>
             <a:pPr algn="ctr"/>
@@ -3740,7 +3793,7 @@
         </p:nvSpPr>
         <p:spPr>
           <a:xfrm>
-            <a:off x="6961361" y="4488509"/>
+            <a:off x="7595146" y="4643055"/>
             <a:ext cx="1940119" cy="2115047"/>
           </a:xfrm>
           <a:prstGeom prst="rect">
@@ -3820,7 +3873,7 @@
             </a:r>
             <a:r>
               <a:rPr lang="en-US" dirty="0" err="1" smtClean="0"/>
-              <a:t>ListObject</a:t>
+              <a:t>ListObjects</a:t>
             </a:r>
             <a:r>
               <a:rPr lang="en-US" dirty="0" smtClean="0">
@@ -4114,8 +4167,8 @@
         </p:nvCxnSpPr>
         <p:spPr>
           <a:xfrm rot="16200000" flipH="1">
-            <a:off x="3907073" y="3324637"/>
-            <a:ext cx="200762" cy="5907813"/>
+            <a:off x="4121641" y="3110070"/>
+            <a:ext cx="405412" cy="6541598"/>
           </a:xfrm>
           <a:prstGeom prst="bentConnector2">
             <a:avLst/>
@@ -4337,7 +4390,7 @@
     </a:clrScheme>
     <a:fontScheme name="Office">
       <a:majorFont>
-        <a:latin typeface="Calibri Light" panose="020F0302020204030204"/>
+        <a:latin typeface="Calibri Light"/>
         <a:ea typeface=""/>
         <a:cs typeface=""/>
         <a:font script="Jpan" typeface="ＭＳ Ｐゴシック"/>
@@ -4372,7 +4425,7 @@
         <a:font script="Geor" typeface="Sylfaen"/>
       </a:majorFont>
       <a:minorFont>
-        <a:latin typeface="Calibri" panose="020F0502020204030204"/>
+        <a:latin typeface="Calibri"/>
         <a:ea typeface=""/>
         <a:cs typeface=""/>
         <a:font script="Jpan" typeface="ＭＳ Ｐゴシック"/>
@@ -4549,7 +4602,7 @@
   <a:extraClrSchemeLst/>
   <a:extLst>
     <a:ext uri="{05A4C25C-085E-4340-85A3-A5531E510DB2}">
-      <thm15:themeFamily xmlns:thm15="http://schemas.microsoft.com/office/thememl/2012/main" name="Office Theme" id="{62F939B6-93AF-4DB8-9C6B-D6C7DFDC589F}" vid="{4A3C46E8-61CC-4603-A589-7422A47A8E4A}"/>
+      <thm15:themeFamily xmlns:thm15="http://schemas.microsoft.com/office/thememl/2012/main" xmlns="" name="Office Theme" id="{62F939B6-93AF-4DB8-9C6B-D6C7DFDC589F}" vid="{4A3C46E8-61CC-4603-A589-7422A47A8E4A}"/>
     </a:ext>
   </a:extLst>
 </a:theme>
